--- a/Graficas.pptx
+++ b/Graficas.pptx
@@ -113,6 +113,11 @@
       </a:defRPr>
     </a:lvl9pPr>
   </p:defaultTextStyle>
+  <p:extLst>
+    <p:ext uri="{EFAFB233-063F-42B5-8137-9DF3F51BA10A}">
+      <p15:sldGuideLst xmlns:p15="http://schemas.microsoft.com/office/powerpoint/2012/main"/>
+    </p:ext>
+  </p:extLst>
 </p:presentation>
 </file>
 
@@ -265,7 +270,7 @@
           <a:p>
             <a:fld id="{4DBE9730-A4BF-4E3B-9A93-DDCB40F667E5}" type="datetimeFigureOut">
               <a:rPr lang="es-CO" smtClean="0"/>
-              <a:t>24/10/2023</a:t>
+              <a:t>29/10/2023</a:t>
             </a:fld>
             <a:endParaRPr lang="es-CO"/>
           </a:p>
@@ -465,7 +470,7 @@
           <a:p>
             <a:fld id="{4DBE9730-A4BF-4E3B-9A93-DDCB40F667E5}" type="datetimeFigureOut">
               <a:rPr lang="es-CO" smtClean="0"/>
-              <a:t>24/10/2023</a:t>
+              <a:t>29/10/2023</a:t>
             </a:fld>
             <a:endParaRPr lang="es-CO"/>
           </a:p>
@@ -675,7 +680,7 @@
           <a:p>
             <a:fld id="{4DBE9730-A4BF-4E3B-9A93-DDCB40F667E5}" type="datetimeFigureOut">
               <a:rPr lang="es-CO" smtClean="0"/>
-              <a:t>24/10/2023</a:t>
+              <a:t>29/10/2023</a:t>
             </a:fld>
             <a:endParaRPr lang="es-CO"/>
           </a:p>
@@ -875,7 +880,7 @@
           <a:p>
             <a:fld id="{4DBE9730-A4BF-4E3B-9A93-DDCB40F667E5}" type="datetimeFigureOut">
               <a:rPr lang="es-CO" smtClean="0"/>
-              <a:t>24/10/2023</a:t>
+              <a:t>29/10/2023</a:t>
             </a:fld>
             <a:endParaRPr lang="es-CO"/>
           </a:p>
@@ -1151,7 +1156,7 @@
           <a:p>
             <a:fld id="{4DBE9730-A4BF-4E3B-9A93-DDCB40F667E5}" type="datetimeFigureOut">
               <a:rPr lang="es-CO" smtClean="0"/>
-              <a:t>24/10/2023</a:t>
+              <a:t>29/10/2023</a:t>
             </a:fld>
             <a:endParaRPr lang="es-CO"/>
           </a:p>
@@ -1419,7 +1424,7 @@
           <a:p>
             <a:fld id="{4DBE9730-A4BF-4E3B-9A93-DDCB40F667E5}" type="datetimeFigureOut">
               <a:rPr lang="es-CO" smtClean="0"/>
-              <a:t>24/10/2023</a:t>
+              <a:t>29/10/2023</a:t>
             </a:fld>
             <a:endParaRPr lang="es-CO"/>
           </a:p>
@@ -1834,7 +1839,7 @@
           <a:p>
             <a:fld id="{4DBE9730-A4BF-4E3B-9A93-DDCB40F667E5}" type="datetimeFigureOut">
               <a:rPr lang="es-CO" smtClean="0"/>
-              <a:t>24/10/2023</a:t>
+              <a:t>29/10/2023</a:t>
             </a:fld>
             <a:endParaRPr lang="es-CO"/>
           </a:p>
@@ -1976,7 +1981,7 @@
           <a:p>
             <a:fld id="{4DBE9730-A4BF-4E3B-9A93-DDCB40F667E5}" type="datetimeFigureOut">
               <a:rPr lang="es-CO" smtClean="0"/>
-              <a:t>24/10/2023</a:t>
+              <a:t>29/10/2023</a:t>
             </a:fld>
             <a:endParaRPr lang="es-CO"/>
           </a:p>
@@ -2089,7 +2094,7 @@
           <a:p>
             <a:fld id="{4DBE9730-A4BF-4E3B-9A93-DDCB40F667E5}" type="datetimeFigureOut">
               <a:rPr lang="es-CO" smtClean="0"/>
-              <a:t>24/10/2023</a:t>
+              <a:t>29/10/2023</a:t>
             </a:fld>
             <a:endParaRPr lang="es-CO"/>
           </a:p>
@@ -2402,7 +2407,7 @@
           <a:p>
             <a:fld id="{4DBE9730-A4BF-4E3B-9A93-DDCB40F667E5}" type="datetimeFigureOut">
               <a:rPr lang="es-CO" smtClean="0"/>
-              <a:t>24/10/2023</a:t>
+              <a:t>29/10/2023</a:t>
             </a:fld>
             <a:endParaRPr lang="es-CO"/>
           </a:p>
@@ -2691,7 +2696,7 @@
           <a:p>
             <a:fld id="{4DBE9730-A4BF-4E3B-9A93-DDCB40F667E5}" type="datetimeFigureOut">
               <a:rPr lang="es-CO" smtClean="0"/>
-              <a:t>24/10/2023</a:t>
+              <a:t>29/10/2023</a:t>
             </a:fld>
             <a:endParaRPr lang="es-CO"/>
           </a:p>
@@ -2934,7 +2939,7 @@
           <a:p>
             <a:fld id="{4DBE9730-A4BF-4E3B-9A93-DDCB40F667E5}" type="datetimeFigureOut">
               <a:rPr lang="es-CO" smtClean="0"/>
-              <a:t>24/10/2023</a:t>
+              <a:t>29/10/2023</a:t>
             </a:fld>
             <a:endParaRPr lang="es-CO"/>
           </a:p>
@@ -3755,6 +3760,36 @@
           </a:p>
         </p:txBody>
       </p:sp>
+      <p:pic>
+        <p:nvPicPr>
+          <p:cNvPr id="4" name="Imagen 3">
+            <a:extLst>
+              <a:ext uri="{FF2B5EF4-FFF2-40B4-BE49-F238E27FC236}">
+                <a16:creationId xmlns:a16="http://schemas.microsoft.com/office/drawing/2014/main" id="{5E21585C-D216-4CBB-7576-BF3D8EDD1675}"/>
+              </a:ext>
+            </a:extLst>
+          </p:cNvPr>
+          <p:cNvPicPr>
+            <a:picLocks noChangeAspect="1"/>
+          </p:cNvPicPr>
+          <p:nvPr/>
+        </p:nvPicPr>
+        <p:blipFill>
+          <a:blip r:embed="rId2"/>
+          <a:stretch>
+            <a:fillRect/>
+          </a:stretch>
+        </p:blipFill>
+        <p:spPr>
+          <a:xfrm>
+            <a:off x="502303" y="758078"/>
+            <a:ext cx="11096965" cy="5696510"/>
+          </a:xfrm>
+          <a:prstGeom prst="rect">
+            <a:avLst/>
+          </a:prstGeom>
+        </p:spPr>
+      </p:pic>
     </p:spTree>
     <p:extLst>
       <p:ext uri="{BB962C8B-B14F-4D97-AF65-F5344CB8AC3E}">
@@ -3785,6 +3820,36 @@
           <a:chExt cx="0" cy="0"/>
         </a:xfrm>
       </p:grpSpPr>
+      <p:pic>
+        <p:nvPicPr>
+          <p:cNvPr id="3" name="Imagen 2">
+            <a:extLst>
+              <a:ext uri="{FF2B5EF4-FFF2-40B4-BE49-F238E27FC236}">
+                <a16:creationId xmlns:a16="http://schemas.microsoft.com/office/drawing/2014/main" id="{0D5B85CB-1012-C3C4-8E16-00C6B719E78D}"/>
+              </a:ext>
+            </a:extLst>
+          </p:cNvPr>
+          <p:cNvPicPr>
+            <a:picLocks noChangeAspect="1"/>
+          </p:cNvPicPr>
+          <p:nvPr/>
+        </p:nvPicPr>
+        <p:blipFill>
+          <a:blip r:embed="rId2"/>
+          <a:stretch>
+            <a:fillRect/>
+          </a:stretch>
+        </p:blipFill>
+        <p:spPr>
+          <a:xfrm>
+            <a:off x="355119" y="910128"/>
+            <a:ext cx="11481761" cy="5037743"/>
+          </a:xfrm>
+          <a:prstGeom prst="rect">
+            <a:avLst/>
+          </a:prstGeom>
+        </p:spPr>
+      </p:pic>
     </p:spTree>
     <p:extLst>
       <p:ext uri="{BB962C8B-B14F-4D97-AF65-F5344CB8AC3E}">

--- a/Graficas.pptx
+++ b/Graficas.pptx
@@ -3453,6 +3453,36 @@
           <a:chExt cx="0" cy="0"/>
         </a:xfrm>
       </p:grpSpPr>
+      <p:pic>
+        <p:nvPicPr>
+          <p:cNvPr id="3" name="Imagen 2">
+            <a:extLst>
+              <a:ext uri="{FF2B5EF4-FFF2-40B4-BE49-F238E27FC236}">
+                <a16:creationId xmlns:a16="http://schemas.microsoft.com/office/drawing/2014/main" id="{D872F7A8-568B-544C-69F9-08B338137B38}"/>
+              </a:ext>
+            </a:extLst>
+          </p:cNvPr>
+          <p:cNvPicPr>
+            <a:picLocks noChangeAspect="1"/>
+          </p:cNvPicPr>
+          <p:nvPr/>
+        </p:nvPicPr>
+        <p:blipFill>
+          <a:blip r:embed="rId2"/>
+          <a:stretch>
+            <a:fillRect/>
+          </a:stretch>
+        </p:blipFill>
+        <p:spPr>
+          <a:xfrm>
+            <a:off x="452437" y="677396"/>
+            <a:ext cx="11287125" cy="5314950"/>
+          </a:xfrm>
+          <a:prstGeom prst="rect">
+            <a:avLst/>
+          </a:prstGeom>
+        </p:spPr>
+      </p:pic>
     </p:spTree>
     <p:extLst>
       <p:ext uri="{BB962C8B-B14F-4D97-AF65-F5344CB8AC3E}">
@@ -3762,10 +3792,10 @@
       </p:sp>
       <p:pic>
         <p:nvPicPr>
-          <p:cNvPr id="4" name="Imagen 3">
-            <a:extLst>
-              <a:ext uri="{FF2B5EF4-FFF2-40B4-BE49-F238E27FC236}">
-                <a16:creationId xmlns:a16="http://schemas.microsoft.com/office/drawing/2014/main" id="{5E21585C-D216-4CBB-7576-BF3D8EDD1675}"/>
+          <p:cNvPr id="5" name="Imagen 4">
+            <a:extLst>
+              <a:ext uri="{FF2B5EF4-FFF2-40B4-BE49-F238E27FC236}">
+                <a16:creationId xmlns:a16="http://schemas.microsoft.com/office/drawing/2014/main" id="{20A2075D-C9B7-1008-CB34-9D0FFE3DFE3D}"/>
               </a:ext>
             </a:extLst>
           </p:cNvPr>
@@ -3782,8 +3812,8 @@
         </p:blipFill>
         <p:spPr>
           <a:xfrm>
-            <a:off x="502303" y="758078"/>
-            <a:ext cx="11096965" cy="5696510"/>
+            <a:off x="392766" y="798418"/>
+            <a:ext cx="11104469" cy="5582247"/>
           </a:xfrm>
           <a:prstGeom prst="rect">
             <a:avLst/>
@@ -3822,10 +3852,10 @@
       </p:grpSpPr>
       <p:pic>
         <p:nvPicPr>
-          <p:cNvPr id="3" name="Imagen 2">
-            <a:extLst>
-              <a:ext uri="{FF2B5EF4-FFF2-40B4-BE49-F238E27FC236}">
-                <a16:creationId xmlns:a16="http://schemas.microsoft.com/office/drawing/2014/main" id="{0D5B85CB-1012-C3C4-8E16-00C6B719E78D}"/>
+          <p:cNvPr id="4" name="Imagen 3">
+            <a:extLst>
+              <a:ext uri="{FF2B5EF4-FFF2-40B4-BE49-F238E27FC236}">
+                <a16:creationId xmlns:a16="http://schemas.microsoft.com/office/drawing/2014/main" id="{2A62D384-5052-71C7-BB2D-4BBFD174552E}"/>
               </a:ext>
             </a:extLst>
           </p:cNvPr>
@@ -3842,8 +3872,8 @@
         </p:blipFill>
         <p:spPr>
           <a:xfrm>
-            <a:off x="355119" y="910128"/>
-            <a:ext cx="11481761" cy="5037743"/>
+            <a:off x="395287" y="771525"/>
+            <a:ext cx="11401425" cy="5314950"/>
           </a:xfrm>
           <a:prstGeom prst="rect">
             <a:avLst/>
@@ -3880,6 +3910,36 @@
           <a:chExt cx="0" cy="0"/>
         </a:xfrm>
       </p:grpSpPr>
+      <p:pic>
+        <p:nvPicPr>
+          <p:cNvPr id="3" name="Imagen 2">
+            <a:extLst>
+              <a:ext uri="{FF2B5EF4-FFF2-40B4-BE49-F238E27FC236}">
+                <a16:creationId xmlns:a16="http://schemas.microsoft.com/office/drawing/2014/main" id="{42CACF04-948D-C607-D20E-A8A3753778DC}"/>
+              </a:ext>
+            </a:extLst>
+          </p:cNvPr>
+          <p:cNvPicPr>
+            <a:picLocks noChangeAspect="1"/>
+          </p:cNvPicPr>
+          <p:nvPr/>
+        </p:nvPicPr>
+        <p:blipFill>
+          <a:blip r:embed="rId2"/>
+          <a:stretch>
+            <a:fillRect/>
+          </a:stretch>
+        </p:blipFill>
+        <p:spPr>
+          <a:xfrm>
+            <a:off x="691122" y="384476"/>
+            <a:ext cx="10443043" cy="6089047"/>
+          </a:xfrm>
+          <a:prstGeom prst="rect">
+            <a:avLst/>
+          </a:prstGeom>
+        </p:spPr>
+      </p:pic>
     </p:spTree>
     <p:extLst>
       <p:ext uri="{BB962C8B-B14F-4D97-AF65-F5344CB8AC3E}">
@@ -3910,6 +3970,36 @@
           <a:chExt cx="0" cy="0"/>
         </a:xfrm>
       </p:grpSpPr>
+      <p:pic>
+        <p:nvPicPr>
+          <p:cNvPr id="3" name="Imagen 2">
+            <a:extLst>
+              <a:ext uri="{FF2B5EF4-FFF2-40B4-BE49-F238E27FC236}">
+                <a16:creationId xmlns:a16="http://schemas.microsoft.com/office/drawing/2014/main" id="{0829E487-4709-3904-82B6-A517A1624132}"/>
+              </a:ext>
+            </a:extLst>
+          </p:cNvPr>
+          <p:cNvPicPr>
+            <a:picLocks noChangeAspect="1"/>
+          </p:cNvPicPr>
+          <p:nvPr/>
+        </p:nvPicPr>
+        <p:blipFill>
+          <a:blip r:embed="rId2"/>
+          <a:stretch>
+            <a:fillRect/>
+          </a:stretch>
+        </p:blipFill>
+        <p:spPr>
+          <a:xfrm>
+            <a:off x="790573" y="488695"/>
+            <a:ext cx="10222567" cy="5880610"/>
+          </a:xfrm>
+          <a:prstGeom prst="rect">
+            <a:avLst/>
+          </a:prstGeom>
+        </p:spPr>
+      </p:pic>
     </p:spTree>
     <p:extLst>
       <p:ext uri="{BB962C8B-B14F-4D97-AF65-F5344CB8AC3E}">
